--- a/django vs flask.pptx
+++ b/django vs flask.pptx
@@ -12,6 +12,7 @@
     <p:sldId id="261" r:id="rId6"/>
     <p:sldId id="262" r:id="rId7"/>
     <p:sldId id="263" r:id="rId8"/>
+    <p:sldId id="264" r:id="rId9"/>
   </p:sldIdLst>
   <p:sldSz cx="12192000" cy="6858000"/>
   <p:notesSz cx="6858000" cy="9144000"/>
@@ -267,7 +268,7 @@
           <a:p>
             <a:fld id="{FBEFE3A1-32AD-4B02-8EF3-B7A924A909CC}" type="datetimeFigureOut">
               <a:rPr lang="en-IN" smtClean="0"/>
-              <a:t>24-07-2021</a:t>
+              <a:t>28-07-2021</a:t>
             </a:fld>
             <a:endParaRPr lang="en-IN"/>
           </a:p>
@@ -467,7 +468,7 @@
           <a:p>
             <a:fld id="{FBEFE3A1-32AD-4B02-8EF3-B7A924A909CC}" type="datetimeFigureOut">
               <a:rPr lang="en-IN" smtClean="0"/>
-              <a:t>24-07-2021</a:t>
+              <a:t>28-07-2021</a:t>
             </a:fld>
             <a:endParaRPr lang="en-IN"/>
           </a:p>
@@ -677,7 +678,7 @@
           <a:p>
             <a:fld id="{FBEFE3A1-32AD-4B02-8EF3-B7A924A909CC}" type="datetimeFigureOut">
               <a:rPr lang="en-IN" smtClean="0"/>
-              <a:t>24-07-2021</a:t>
+              <a:t>28-07-2021</a:t>
             </a:fld>
             <a:endParaRPr lang="en-IN"/>
           </a:p>
@@ -877,7 +878,7 @@
           <a:p>
             <a:fld id="{FBEFE3A1-32AD-4B02-8EF3-B7A924A909CC}" type="datetimeFigureOut">
               <a:rPr lang="en-IN" smtClean="0"/>
-              <a:t>24-07-2021</a:t>
+              <a:t>28-07-2021</a:t>
             </a:fld>
             <a:endParaRPr lang="en-IN"/>
           </a:p>
@@ -1153,7 +1154,7 @@
           <a:p>
             <a:fld id="{FBEFE3A1-32AD-4B02-8EF3-B7A924A909CC}" type="datetimeFigureOut">
               <a:rPr lang="en-IN" smtClean="0"/>
-              <a:t>24-07-2021</a:t>
+              <a:t>28-07-2021</a:t>
             </a:fld>
             <a:endParaRPr lang="en-IN"/>
           </a:p>
@@ -1421,7 +1422,7 @@
           <a:p>
             <a:fld id="{FBEFE3A1-32AD-4B02-8EF3-B7A924A909CC}" type="datetimeFigureOut">
               <a:rPr lang="en-IN" smtClean="0"/>
-              <a:t>24-07-2021</a:t>
+              <a:t>28-07-2021</a:t>
             </a:fld>
             <a:endParaRPr lang="en-IN"/>
           </a:p>
@@ -1836,7 +1837,7 @@
           <a:p>
             <a:fld id="{FBEFE3A1-32AD-4B02-8EF3-B7A924A909CC}" type="datetimeFigureOut">
               <a:rPr lang="en-IN" smtClean="0"/>
-              <a:t>24-07-2021</a:t>
+              <a:t>28-07-2021</a:t>
             </a:fld>
             <a:endParaRPr lang="en-IN"/>
           </a:p>
@@ -1978,7 +1979,7 @@
           <a:p>
             <a:fld id="{FBEFE3A1-32AD-4B02-8EF3-B7A924A909CC}" type="datetimeFigureOut">
               <a:rPr lang="en-IN" smtClean="0"/>
-              <a:t>24-07-2021</a:t>
+              <a:t>28-07-2021</a:t>
             </a:fld>
             <a:endParaRPr lang="en-IN"/>
           </a:p>
@@ -2091,7 +2092,7 @@
           <a:p>
             <a:fld id="{FBEFE3A1-32AD-4B02-8EF3-B7A924A909CC}" type="datetimeFigureOut">
               <a:rPr lang="en-IN" smtClean="0"/>
-              <a:t>24-07-2021</a:t>
+              <a:t>28-07-2021</a:t>
             </a:fld>
             <a:endParaRPr lang="en-IN"/>
           </a:p>
@@ -2404,7 +2405,7 @@
           <a:p>
             <a:fld id="{FBEFE3A1-32AD-4B02-8EF3-B7A924A909CC}" type="datetimeFigureOut">
               <a:rPr lang="en-IN" smtClean="0"/>
-              <a:t>24-07-2021</a:t>
+              <a:t>28-07-2021</a:t>
             </a:fld>
             <a:endParaRPr lang="en-IN"/>
           </a:p>
@@ -2693,7 +2694,7 @@
           <a:p>
             <a:fld id="{FBEFE3A1-32AD-4B02-8EF3-B7A924A909CC}" type="datetimeFigureOut">
               <a:rPr lang="en-IN" smtClean="0"/>
-              <a:t>24-07-2021</a:t>
+              <a:t>28-07-2021</a:t>
             </a:fld>
             <a:endParaRPr lang="en-IN"/>
           </a:p>
@@ -2936,7 +2937,7 @@
           <a:p>
             <a:fld id="{FBEFE3A1-32AD-4B02-8EF3-B7A924A909CC}" type="datetimeFigureOut">
               <a:rPr lang="en-IN" smtClean="0"/>
-              <a:t>24-07-2021</a:t>
+              <a:t>28-07-2021</a:t>
             </a:fld>
             <a:endParaRPr lang="en-IN"/>
           </a:p>
@@ -3382,6 +3383,62 @@
           </a:prstGeom>
         </p:spPr>
       </p:pic>
+      <p:sp>
+        <p:nvSpPr>
+          <p:cNvPr id="2" name="TextBox 1">
+            <a:extLst>
+              <a:ext uri="{FF2B5EF4-FFF2-40B4-BE49-F238E27FC236}">
+                <a16:creationId xmlns:a16="http://schemas.microsoft.com/office/drawing/2014/main" id="{6D433019-5139-4374-9F03-A220AC0AA2C4}"/>
+              </a:ext>
+            </a:extLst>
+          </p:cNvPr>
+          <p:cNvSpPr txBox="1"/>
+          <p:nvPr/>
+        </p:nvSpPr>
+        <p:spPr>
+          <a:xfrm>
+            <a:off x="4161183" y="5459896"/>
+            <a:ext cx="3326295" cy="646331"/>
+          </a:xfrm>
+          <a:prstGeom prst="rect">
+            <a:avLst/>
+          </a:prstGeom>
+          <a:noFill/>
+        </p:spPr>
+        <p:txBody>
+          <a:bodyPr wrap="square" rtlCol="0">
+            <a:spAutoFit/>
+          </a:bodyPr>
+          <a:lstStyle/>
+          <a:p>
+            <a:pPr algn="ctr"/>
+            <a:r>
+              <a:rPr lang="en-US" b="1" dirty="0">
+                <a:solidFill>
+                  <a:schemeClr val="bg1"/>
+                </a:solidFill>
+              </a:rPr>
+              <a:t>BY-     DAMINI PRAKASH</a:t>
+            </a:r>
+          </a:p>
+          <a:p>
+            <a:pPr algn="ctr"/>
+            <a:r>
+              <a:rPr lang="en-US" b="1" dirty="0">
+                <a:solidFill>
+                  <a:schemeClr val="bg1"/>
+                </a:solidFill>
+              </a:rPr>
+              <a:t>            (EMP ID: 46071522)</a:t>
+            </a:r>
+            <a:endParaRPr lang="en-IN" b="1" dirty="0">
+              <a:solidFill>
+                <a:schemeClr val="bg1"/>
+              </a:solidFill>
+            </a:endParaRPr>
+          </a:p>
+        </p:txBody>
+      </p:sp>
     </p:spTree>
     <p:extLst>
       <p:ext uri="{BB962C8B-B14F-4D97-AF65-F5344CB8AC3E}">
@@ -3649,6 +3706,42 @@
           </a:p>
         </p:txBody>
       </p:sp>
+      <p:pic>
+        <p:nvPicPr>
+          <p:cNvPr id="6" name="Picture 5">
+            <a:extLst>
+              <a:ext uri="{FF2B5EF4-FFF2-40B4-BE49-F238E27FC236}">
+                <a16:creationId xmlns:a16="http://schemas.microsoft.com/office/drawing/2014/main" id="{E5B4E508-DF6B-4658-966E-AC5448F99889}"/>
+              </a:ext>
+            </a:extLst>
+          </p:cNvPr>
+          <p:cNvPicPr>
+            <a:picLocks noChangeAspect="1"/>
+          </p:cNvPicPr>
+          <p:nvPr/>
+        </p:nvPicPr>
+        <p:blipFill>
+          <a:blip r:embed="rId2">
+            <a:extLst>
+              <a:ext uri="{28A0092B-C50C-407E-A947-70E740481C1C}">
+                <a14:useLocalDpi xmlns:a14="http://schemas.microsoft.com/office/drawing/2010/main" val="0"/>
+              </a:ext>
+            </a:extLst>
+          </a:blip>
+          <a:stretch>
+            <a:fillRect/>
+          </a:stretch>
+        </p:blipFill>
+        <p:spPr>
+          <a:xfrm>
+            <a:off x="10999304" y="35668"/>
+            <a:ext cx="1118000" cy="1130524"/>
+          </a:xfrm>
+          <a:prstGeom prst="rect">
+            <a:avLst/>
+          </a:prstGeom>
+        </p:spPr>
+      </p:pic>
     </p:spTree>
     <p:extLst>
       <p:ext uri="{BB962C8B-B14F-4D97-AF65-F5344CB8AC3E}">
@@ -5160,6 +5253,42 @@
           </a:p>
         </p:txBody>
       </p:sp>
+      <p:pic>
+        <p:nvPicPr>
+          <p:cNvPr id="5" name="Picture 4">
+            <a:extLst>
+              <a:ext uri="{FF2B5EF4-FFF2-40B4-BE49-F238E27FC236}">
+                <a16:creationId xmlns:a16="http://schemas.microsoft.com/office/drawing/2014/main" id="{1AFA5C42-E736-4E2D-868E-1EBC0FD991C5}"/>
+              </a:ext>
+            </a:extLst>
+          </p:cNvPr>
+          <p:cNvPicPr>
+            <a:picLocks noChangeAspect="1"/>
+          </p:cNvPicPr>
+          <p:nvPr/>
+        </p:nvPicPr>
+        <p:blipFill>
+          <a:blip r:embed="rId2">
+            <a:extLst>
+              <a:ext uri="{28A0092B-C50C-407E-A947-70E740481C1C}">
+                <a14:useLocalDpi xmlns:a14="http://schemas.microsoft.com/office/drawing/2010/main" val="0"/>
+              </a:ext>
+            </a:extLst>
+          </a:blip>
+          <a:stretch>
+            <a:fillRect/>
+          </a:stretch>
+        </p:blipFill>
+        <p:spPr>
+          <a:xfrm>
+            <a:off x="10926417" y="35669"/>
+            <a:ext cx="1190887" cy="1143773"/>
+          </a:xfrm>
+          <a:prstGeom prst="rect">
+            <a:avLst/>
+          </a:prstGeom>
+        </p:spPr>
+      </p:pic>
     </p:spTree>
     <p:extLst>
       <p:ext uri="{BB962C8B-B14F-4D97-AF65-F5344CB8AC3E}">
@@ -5363,6 +5492,42 @@
               </a14:hiddenFill>
             </a:ext>
           </a:extLst>
+        </p:spPr>
+      </p:pic>
+      <p:pic>
+        <p:nvPicPr>
+          <p:cNvPr id="4" name="Picture 3">
+            <a:extLst>
+              <a:ext uri="{FF2B5EF4-FFF2-40B4-BE49-F238E27FC236}">
+                <a16:creationId xmlns:a16="http://schemas.microsoft.com/office/drawing/2014/main" id="{4BE68A59-BC90-4A85-8B90-4F85B4953EED}"/>
+              </a:ext>
+            </a:extLst>
+          </p:cNvPr>
+          <p:cNvPicPr>
+            <a:picLocks noChangeAspect="1"/>
+          </p:cNvPicPr>
+          <p:nvPr/>
+        </p:nvPicPr>
+        <p:blipFill>
+          <a:blip r:embed="rId3">
+            <a:extLst>
+              <a:ext uri="{28A0092B-C50C-407E-A947-70E740481C1C}">
+                <a14:useLocalDpi xmlns:a14="http://schemas.microsoft.com/office/drawing/2010/main" val="0"/>
+              </a:ext>
+            </a:extLst>
+          </a:blip>
+          <a:stretch>
+            <a:fillRect/>
+          </a:stretch>
+        </p:blipFill>
+        <p:spPr>
+          <a:xfrm>
+            <a:off x="11039061" y="35669"/>
+            <a:ext cx="1078243" cy="1183532"/>
+          </a:xfrm>
+          <a:prstGeom prst="rect">
+            <a:avLst/>
+          </a:prstGeom>
         </p:spPr>
       </p:pic>
     </p:spTree>
@@ -5550,6 +5715,42 @@
           </a:p>
         </p:txBody>
       </p:sp>
+      <p:pic>
+        <p:nvPicPr>
+          <p:cNvPr id="5" name="Picture 4">
+            <a:extLst>
+              <a:ext uri="{FF2B5EF4-FFF2-40B4-BE49-F238E27FC236}">
+                <a16:creationId xmlns:a16="http://schemas.microsoft.com/office/drawing/2014/main" id="{39D919B5-6888-4A05-A1CA-7CE3495A99D3}"/>
+              </a:ext>
+            </a:extLst>
+          </p:cNvPr>
+          <p:cNvPicPr>
+            <a:picLocks noChangeAspect="1"/>
+          </p:cNvPicPr>
+          <p:nvPr/>
+        </p:nvPicPr>
+        <p:blipFill>
+          <a:blip r:embed="rId3">
+            <a:extLst>
+              <a:ext uri="{28A0092B-C50C-407E-A947-70E740481C1C}">
+                <a14:useLocalDpi xmlns:a14="http://schemas.microsoft.com/office/drawing/2010/main" val="0"/>
+              </a:ext>
+            </a:extLst>
+          </a:blip>
+          <a:stretch>
+            <a:fillRect/>
+          </a:stretch>
+        </p:blipFill>
+        <p:spPr>
+          <a:xfrm>
+            <a:off x="11065565" y="1"/>
+            <a:ext cx="1083060" cy="1159324"/>
+          </a:xfrm>
+          <a:prstGeom prst="rect">
+            <a:avLst/>
+          </a:prstGeom>
+        </p:spPr>
+      </p:pic>
     </p:spTree>
     <p:extLst>
       <p:ext uri="{BB962C8B-B14F-4D97-AF65-F5344CB8AC3E}">
@@ -5804,6 +6005,42 @@
           </a:p>
         </p:txBody>
       </p:sp>
+      <p:pic>
+        <p:nvPicPr>
+          <p:cNvPr id="4" name="Picture 3">
+            <a:extLst>
+              <a:ext uri="{FF2B5EF4-FFF2-40B4-BE49-F238E27FC236}">
+                <a16:creationId xmlns:a16="http://schemas.microsoft.com/office/drawing/2014/main" id="{4B1CECF7-15B9-46BB-BCA4-37008565628C}"/>
+              </a:ext>
+            </a:extLst>
+          </p:cNvPr>
+          <p:cNvPicPr>
+            <a:picLocks noChangeAspect="1"/>
+          </p:cNvPicPr>
+          <p:nvPr/>
+        </p:nvPicPr>
+        <p:blipFill>
+          <a:blip r:embed="rId2">
+            <a:extLst>
+              <a:ext uri="{28A0092B-C50C-407E-A947-70E740481C1C}">
+                <a14:useLocalDpi xmlns:a14="http://schemas.microsoft.com/office/drawing/2010/main" val="0"/>
+              </a:ext>
+            </a:extLst>
+          </a:blip>
+          <a:stretch>
+            <a:fillRect/>
+          </a:stretch>
+        </p:blipFill>
+        <p:spPr>
+          <a:xfrm>
+            <a:off x="10946296" y="35668"/>
+            <a:ext cx="1171008" cy="1163414"/>
+          </a:xfrm>
+          <a:prstGeom prst="rect">
+            <a:avLst/>
+          </a:prstGeom>
+        </p:spPr>
+      </p:pic>
     </p:spTree>
     <p:extLst>
       <p:ext uri="{BB962C8B-B14F-4D97-AF65-F5344CB8AC3E}">
@@ -5964,7 +6201,7 @@
         <p:spPr>
           <a:xfrm>
             <a:off x="1815548" y="2504661"/>
-            <a:ext cx="7938052" cy="2308324"/>
+            <a:ext cx="7938052" cy="2031325"/>
           </a:xfrm>
           <a:prstGeom prst="rect">
             <a:avLst/>
@@ -6043,17 +6280,46 @@
               <a:buFont typeface="Wingdings" panose="05000000000000000000" pitchFamily="2" charset="2"/>
               <a:buChar char="ü"/>
             </a:pPr>
-            <a:endParaRPr lang="en-US" dirty="0"/>
-          </a:p>
-          <a:p>
-            <a:pPr marL="285750" indent="-285750">
-              <a:buFont typeface="Wingdings" panose="05000000000000000000" pitchFamily="2" charset="2"/>
-              <a:buChar char="ü"/>
-            </a:pPr>
             <a:endParaRPr lang="en-IN" dirty="0"/>
           </a:p>
         </p:txBody>
       </p:sp>
+      <p:pic>
+        <p:nvPicPr>
+          <p:cNvPr id="4" name="Picture 3">
+            <a:extLst>
+              <a:ext uri="{FF2B5EF4-FFF2-40B4-BE49-F238E27FC236}">
+                <a16:creationId xmlns:a16="http://schemas.microsoft.com/office/drawing/2014/main" id="{DE7A4579-D1EE-4632-8C54-AD8ABED1D973}"/>
+              </a:ext>
+            </a:extLst>
+          </p:cNvPr>
+          <p:cNvPicPr>
+            <a:picLocks noChangeAspect="1"/>
+          </p:cNvPicPr>
+          <p:nvPr/>
+        </p:nvPicPr>
+        <p:blipFill>
+          <a:blip r:embed="rId6">
+            <a:extLst>
+              <a:ext uri="{28A0092B-C50C-407E-A947-70E740481C1C}">
+                <a14:useLocalDpi xmlns:a14="http://schemas.microsoft.com/office/drawing/2010/main" val="0"/>
+              </a:ext>
+            </a:extLst>
+          </a:blip>
+          <a:stretch>
+            <a:fillRect/>
+          </a:stretch>
+        </p:blipFill>
+        <p:spPr>
+          <a:xfrm>
+            <a:off x="10959548" y="35669"/>
+            <a:ext cx="1157756" cy="1229674"/>
+          </a:xfrm>
+          <a:prstGeom prst="rect">
+            <a:avLst/>
+          </a:prstGeom>
+        </p:spPr>
+      </p:pic>
     </p:spTree>
     <p:extLst>
       <p:ext uri="{BB962C8B-B14F-4D97-AF65-F5344CB8AC3E}">
@@ -6150,6 +6416,72 @@
       <p:bldP spid="3" grpId="0"/>
     </p:bldLst>
   </p:timing>
+</p:sld>
+</file>
+
+<file path=ppt/slides/slide8.xml><?xml version="1.0" encoding="utf-8"?>
+<p:sld xmlns:a="http://schemas.openxmlformats.org/drawingml/2006/main" xmlns:r="http://schemas.openxmlformats.org/officeDocument/2006/relationships" xmlns:p="http://schemas.openxmlformats.org/presentationml/2006/main">
+  <p:cSld>
+    <p:spTree>
+      <p:nvGrpSpPr>
+        <p:cNvPr id="1" name=""/>
+        <p:cNvGrpSpPr/>
+        <p:nvPr/>
+      </p:nvGrpSpPr>
+      <p:grpSpPr>
+        <a:xfrm>
+          <a:off x="0" y="0"/>
+          <a:ext cx="0" cy="0"/>
+          <a:chOff x="0" y="0"/>
+          <a:chExt cx="0" cy="0"/>
+        </a:xfrm>
+      </p:grpSpPr>
+      <p:pic>
+        <p:nvPicPr>
+          <p:cNvPr id="3" name="Picture 2">
+            <a:extLst>
+              <a:ext uri="{FF2B5EF4-FFF2-40B4-BE49-F238E27FC236}">
+                <a16:creationId xmlns:a16="http://schemas.microsoft.com/office/drawing/2014/main" id="{32F4236E-C05D-48EE-8EF1-773B0585E54D}"/>
+              </a:ext>
+            </a:extLst>
+          </p:cNvPr>
+          <p:cNvPicPr>
+            <a:picLocks noChangeAspect="1"/>
+          </p:cNvPicPr>
+          <p:nvPr/>
+        </p:nvPicPr>
+        <p:blipFill>
+          <a:blip r:embed="rId2">
+            <a:extLst>
+              <a:ext uri="{28A0092B-C50C-407E-A947-70E740481C1C}">
+                <a14:useLocalDpi xmlns:a14="http://schemas.microsoft.com/office/drawing/2010/main" val="0"/>
+              </a:ext>
+            </a:extLst>
+          </a:blip>
+          <a:stretch>
+            <a:fillRect/>
+          </a:stretch>
+        </p:blipFill>
+        <p:spPr>
+          <a:xfrm>
+            <a:off x="2597425" y="1364974"/>
+            <a:ext cx="7407965" cy="4598504"/>
+          </a:xfrm>
+          <a:prstGeom prst="rect">
+            <a:avLst/>
+          </a:prstGeom>
+        </p:spPr>
+      </p:pic>
+    </p:spTree>
+    <p:extLst>
+      <p:ext uri="{BB962C8B-B14F-4D97-AF65-F5344CB8AC3E}">
+        <p14:creationId xmlns:p14="http://schemas.microsoft.com/office/powerpoint/2010/main" val="2997758829"/>
+      </p:ext>
+    </p:extLst>
+  </p:cSld>
+  <p:clrMapOvr>
+    <a:masterClrMapping/>
+  </p:clrMapOvr>
 </p:sld>
 </file>
 
